--- a/0 발표용 파워포인트/0417 3차발표/0417 project05 - 파워포인트 - 기범.pptx
+++ b/0 발표용 파워포인트/0417 3차발표/0417 project05 - 파워포인트 - 기범.pptx
@@ -3879,11 +3879,16 @@
         <p:spPr>
           <a:xfrm>
             <a:off x="713852" y="1547356"/>
-            <a:ext cx="7181850" cy="4514850"/>
+            <a:ext cx="6172140" cy="4514850"/>
           </a:xfrm>
           <a:prstGeom prst="rect">
             <a:avLst/>
           </a:prstGeom>
+          <a:ln w="25400">
+            <a:solidFill>
+              <a:schemeClr val="tx1"/>
+            </a:solidFill>
+          </a:ln>
         </p:spPr>
       </p:pic>
       <p:pic>
@@ -3908,6 +3913,11 @@
           <a:prstGeom prst="rect">
             <a:avLst/>
           </a:prstGeom>
+          <a:ln>
+            <a:solidFill>
+              <a:schemeClr val="tx1"/>
+            </a:solidFill>
+          </a:ln>
         </p:spPr>
       </p:pic>
       <p:pic>
@@ -3932,6 +3942,11 @@
           <a:prstGeom prst="rect">
             <a:avLst/>
           </a:prstGeom>
+          <a:ln>
+            <a:solidFill>
+              <a:schemeClr val="tx1"/>
+            </a:solidFill>
+          </a:ln>
         </p:spPr>
       </p:pic>
       <p:pic>
@@ -3956,6 +3971,11 @@
           <a:prstGeom prst="rect">
             <a:avLst/>
           </a:prstGeom>
+          <a:ln>
+            <a:solidFill>
+              <a:schemeClr val="tx1"/>
+            </a:solidFill>
+          </a:ln>
         </p:spPr>
       </p:pic>
     </p:spTree>
@@ -4123,14 +4143,14 @@
                 <a:gridCol w="311106">
                   <a:extLst>
                     <a:ext uri="{9D8B030D-6E8A-4147-A177-3AD203B41FA5}">
-                      <a16:colId xmlns:a16="http://schemas.microsoft.com/office/drawing/2014/main" xmlns="" val="20000"/>
+                      <a16:colId xmlns="" xmlns:a16="http://schemas.microsoft.com/office/drawing/2014/main" val="20000"/>
                     </a:ext>
                   </a:extLst>
                 </a:gridCol>
                 <a:gridCol w="2558644">
                   <a:extLst>
                     <a:ext uri="{9D8B030D-6E8A-4147-A177-3AD203B41FA5}">
-                      <a16:colId xmlns:a16="http://schemas.microsoft.com/office/drawing/2014/main" xmlns="" val="20001"/>
+                      <a16:colId xmlns="" xmlns:a16="http://schemas.microsoft.com/office/drawing/2014/main" val="20001"/>
                     </a:ext>
                   </a:extLst>
                 </a:gridCol>
@@ -4288,7 +4308,7 @@
                 </a:tc>
                 <a:extLst>
                   <a:ext uri="{0D108BD9-81ED-4DB2-BD59-A6C34878D82A}">
-                    <a16:rowId xmlns:a16="http://schemas.microsoft.com/office/drawing/2014/main" xmlns="" val="10000"/>
+                    <a16:rowId xmlns="" xmlns:a16="http://schemas.microsoft.com/office/drawing/2014/main" val="10000"/>
                   </a:ext>
                 </a:extLst>
               </a:tr>
@@ -4445,7 +4465,7 @@
                 </a:tc>
                 <a:extLst>
                   <a:ext uri="{0D108BD9-81ED-4DB2-BD59-A6C34878D82A}">
-                    <a16:rowId xmlns:a16="http://schemas.microsoft.com/office/drawing/2014/main" xmlns="" val="10001"/>
+                    <a16:rowId xmlns="" xmlns:a16="http://schemas.microsoft.com/office/drawing/2014/main" val="10001"/>
                   </a:ext>
                 </a:extLst>
               </a:tr>
@@ -4576,7 +4596,7 @@
                 </a:tc>
                 <a:extLst>
                   <a:ext uri="{0D108BD9-81ED-4DB2-BD59-A6C34878D82A}">
-                    <a16:rowId xmlns:a16="http://schemas.microsoft.com/office/drawing/2014/main" xmlns="" val="10002"/>
+                    <a16:rowId xmlns="" xmlns:a16="http://schemas.microsoft.com/office/drawing/2014/main" val="10002"/>
                   </a:ext>
                 </a:extLst>
               </a:tr>
@@ -4913,6 +4933,11 @@
           <a:prstGeom prst="rect">
             <a:avLst/>
           </a:prstGeom>
+          <a:ln w="25400">
+            <a:solidFill>
+              <a:schemeClr val="tx1"/>
+            </a:solidFill>
+          </a:ln>
         </p:spPr>
       </p:pic>
       <p:pic>
@@ -4937,6 +4962,11 @@
           <a:prstGeom prst="rect">
             <a:avLst/>
           </a:prstGeom>
+          <a:ln>
+            <a:solidFill>
+              <a:schemeClr val="tx1"/>
+            </a:solidFill>
+          </a:ln>
         </p:spPr>
       </p:pic>
       <p:pic>
@@ -4961,6 +4991,11 @@
           <a:prstGeom prst="rect">
             <a:avLst/>
           </a:prstGeom>
+          <a:ln>
+            <a:solidFill>
+              <a:schemeClr val="tx1"/>
+            </a:solidFill>
+          </a:ln>
         </p:spPr>
       </p:pic>
       <p:pic>
@@ -4985,6 +5020,11 @@
           <a:prstGeom prst="rect">
             <a:avLst/>
           </a:prstGeom>
+          <a:ln>
+            <a:solidFill>
+              <a:schemeClr val="tx1"/>
+            </a:solidFill>
+          </a:ln>
         </p:spPr>
       </p:pic>
       <p:pic>
@@ -5009,6 +5049,11 @@
           <a:prstGeom prst="rect">
             <a:avLst/>
           </a:prstGeom>
+          <a:ln>
+            <a:solidFill>
+              <a:schemeClr val="tx1"/>
+            </a:solidFill>
+          </a:ln>
         </p:spPr>
       </p:pic>
     </p:spTree>
@@ -5176,14 +5221,14 @@
                 <a:gridCol w="311106">
                   <a:extLst>
                     <a:ext uri="{9D8B030D-6E8A-4147-A177-3AD203B41FA5}">
-                      <a16:colId xmlns:a16="http://schemas.microsoft.com/office/drawing/2014/main" xmlns="" val="20000"/>
+                      <a16:colId xmlns="" xmlns:a16="http://schemas.microsoft.com/office/drawing/2014/main" val="20000"/>
                     </a:ext>
                   </a:extLst>
                 </a:gridCol>
                 <a:gridCol w="2558644">
                   <a:extLst>
                     <a:ext uri="{9D8B030D-6E8A-4147-A177-3AD203B41FA5}">
-                      <a16:colId xmlns:a16="http://schemas.microsoft.com/office/drawing/2014/main" xmlns="" val="20001"/>
+                      <a16:colId xmlns="" xmlns:a16="http://schemas.microsoft.com/office/drawing/2014/main" val="20001"/>
                     </a:ext>
                   </a:extLst>
                 </a:gridCol>
@@ -5341,7 +5386,7 @@
                 </a:tc>
                 <a:extLst>
                   <a:ext uri="{0D108BD9-81ED-4DB2-BD59-A6C34878D82A}">
-                    <a16:rowId xmlns:a16="http://schemas.microsoft.com/office/drawing/2014/main" xmlns="" val="10000"/>
+                    <a16:rowId xmlns="" xmlns:a16="http://schemas.microsoft.com/office/drawing/2014/main" val="10000"/>
                   </a:ext>
                 </a:extLst>
               </a:tr>
@@ -5506,7 +5551,7 @@
                 </a:tc>
                 <a:extLst>
                   <a:ext uri="{0D108BD9-81ED-4DB2-BD59-A6C34878D82A}">
-                    <a16:rowId xmlns:a16="http://schemas.microsoft.com/office/drawing/2014/main" xmlns="" val="10001"/>
+                    <a16:rowId xmlns="" xmlns:a16="http://schemas.microsoft.com/office/drawing/2014/main" val="10001"/>
                   </a:ext>
                 </a:extLst>
               </a:tr>
@@ -5637,7 +5682,7 @@
                 </a:tc>
                 <a:extLst>
                   <a:ext uri="{0D108BD9-81ED-4DB2-BD59-A6C34878D82A}">
-                    <a16:rowId xmlns:a16="http://schemas.microsoft.com/office/drawing/2014/main" xmlns="" val="10002"/>
+                    <a16:rowId xmlns="" xmlns:a16="http://schemas.microsoft.com/office/drawing/2014/main" val="10002"/>
                   </a:ext>
                 </a:extLst>
               </a:tr>
@@ -5974,6 +6019,11 @@
           <a:prstGeom prst="rect">
             <a:avLst/>
           </a:prstGeom>
+          <a:ln w="25400">
+            <a:solidFill>
+              <a:schemeClr val="tx1"/>
+            </a:solidFill>
+          </a:ln>
         </p:spPr>
       </p:pic>
       <p:pic>
@@ -5998,6 +6048,11 @@
           <a:prstGeom prst="rect">
             <a:avLst/>
           </a:prstGeom>
+          <a:ln>
+            <a:solidFill>
+              <a:schemeClr val="tx1"/>
+            </a:solidFill>
+          </a:ln>
         </p:spPr>
       </p:pic>
       <p:pic>
@@ -6022,6 +6077,11 @@
           <a:prstGeom prst="rect">
             <a:avLst/>
           </a:prstGeom>
+          <a:ln>
+            <a:solidFill>
+              <a:schemeClr val="tx1"/>
+            </a:solidFill>
+          </a:ln>
         </p:spPr>
       </p:pic>
     </p:spTree>
@@ -6120,12 +6180,17 @@
         </p:blipFill>
         <p:spPr>
           <a:xfrm>
-            <a:off x="451848" y="2015467"/>
-            <a:ext cx="7553325" cy="3895725"/>
+            <a:off x="451849" y="2015467"/>
+            <a:ext cx="5948952" cy="3895725"/>
           </a:xfrm>
           <a:prstGeom prst="rect">
             <a:avLst/>
           </a:prstGeom>
+          <a:ln w="25400">
+            <a:solidFill>
+              <a:schemeClr val="tx1"/>
+            </a:solidFill>
+          </a:ln>
         </p:spPr>
       </p:pic>
       <p:pic>
@@ -6144,12 +6209,17 @@
         </p:blipFill>
         <p:spPr>
           <a:xfrm>
-            <a:off x="5189837" y="1588229"/>
-            <a:ext cx="6705600" cy="238125"/>
+            <a:off x="7007290" y="2539952"/>
+            <a:ext cx="5018775" cy="238125"/>
           </a:xfrm>
           <a:prstGeom prst="rect">
             <a:avLst/>
           </a:prstGeom>
+          <a:ln>
+            <a:solidFill>
+              <a:schemeClr val="tx1"/>
+            </a:solidFill>
+          </a:ln>
         </p:spPr>
       </p:pic>
       <p:pic>
@@ -6168,12 +6238,17 @@
         </p:blipFill>
         <p:spPr>
           <a:xfrm>
-            <a:off x="7084541" y="2319467"/>
-            <a:ext cx="4810896" cy="1338133"/>
+            <a:off x="7007290" y="3066356"/>
+            <a:ext cx="5018775" cy="1338133"/>
           </a:xfrm>
           <a:prstGeom prst="rect">
             <a:avLst/>
           </a:prstGeom>
+          <a:ln>
+            <a:solidFill>
+              <a:schemeClr val="tx1"/>
+            </a:solidFill>
+          </a:ln>
         </p:spPr>
       </p:pic>
     </p:spTree>
@@ -6403,14 +6478,14 @@
                 <a:gridCol w="311106">
                   <a:extLst>
                     <a:ext uri="{9D8B030D-6E8A-4147-A177-3AD203B41FA5}">
-                      <a16:colId xmlns:a16="http://schemas.microsoft.com/office/drawing/2014/main" xmlns="" val="20000"/>
+                      <a16:colId xmlns="" xmlns:a16="http://schemas.microsoft.com/office/drawing/2014/main" val="20000"/>
                     </a:ext>
                   </a:extLst>
                 </a:gridCol>
                 <a:gridCol w="2558644">
                   <a:extLst>
                     <a:ext uri="{9D8B030D-6E8A-4147-A177-3AD203B41FA5}">
-                      <a16:colId xmlns:a16="http://schemas.microsoft.com/office/drawing/2014/main" xmlns="" val="20001"/>
+                      <a16:colId xmlns="" xmlns:a16="http://schemas.microsoft.com/office/drawing/2014/main" val="20001"/>
                     </a:ext>
                   </a:extLst>
                 </a:gridCol>
@@ -6568,7 +6643,7 @@
                 </a:tc>
                 <a:extLst>
                   <a:ext uri="{0D108BD9-81ED-4DB2-BD59-A6C34878D82A}">
-                    <a16:rowId xmlns:a16="http://schemas.microsoft.com/office/drawing/2014/main" xmlns="" val="10000"/>
+                    <a16:rowId xmlns="" xmlns:a16="http://schemas.microsoft.com/office/drawing/2014/main" val="10000"/>
                   </a:ext>
                 </a:extLst>
               </a:tr>
@@ -6725,7 +6800,7 @@
                 </a:tc>
                 <a:extLst>
                   <a:ext uri="{0D108BD9-81ED-4DB2-BD59-A6C34878D82A}">
-                    <a16:rowId xmlns:a16="http://schemas.microsoft.com/office/drawing/2014/main" xmlns="" val="10001"/>
+                    <a16:rowId xmlns="" xmlns:a16="http://schemas.microsoft.com/office/drawing/2014/main" val="10001"/>
                   </a:ext>
                 </a:extLst>
               </a:tr>
@@ -6883,7 +6958,7 @@
                 </a:tc>
                 <a:extLst>
                   <a:ext uri="{0D108BD9-81ED-4DB2-BD59-A6C34878D82A}">
-                    <a16:rowId xmlns:a16="http://schemas.microsoft.com/office/drawing/2014/main" xmlns="" val="10002"/>
+                    <a16:rowId xmlns="" xmlns:a16="http://schemas.microsoft.com/office/drawing/2014/main" val="10002"/>
                   </a:ext>
                 </a:extLst>
               </a:tr>
@@ -7286,6 +7361,11 @@
           <a:prstGeom prst="rect">
             <a:avLst/>
           </a:prstGeom>
+          <a:ln w="25400">
+            <a:solidFill>
+              <a:schemeClr val="tx1"/>
+            </a:solidFill>
+          </a:ln>
         </p:spPr>
       </p:pic>
       <p:pic>
@@ -7310,6 +7390,11 @@
           <a:prstGeom prst="rect">
             <a:avLst/>
           </a:prstGeom>
+          <a:ln w="25400">
+            <a:solidFill>
+              <a:schemeClr val="tx1"/>
+            </a:solidFill>
+          </a:ln>
         </p:spPr>
       </p:pic>
       <p:pic>
@@ -7334,6 +7419,11 @@
           <a:prstGeom prst="rect">
             <a:avLst/>
           </a:prstGeom>
+          <a:ln>
+            <a:solidFill>
+              <a:schemeClr val="tx1"/>
+            </a:solidFill>
+          </a:ln>
         </p:spPr>
       </p:pic>
       <p:pic>
@@ -7358,6 +7448,11 @@
           <a:prstGeom prst="rect">
             <a:avLst/>
           </a:prstGeom>
+          <a:ln>
+            <a:solidFill>
+              <a:schemeClr val="tx1"/>
+            </a:solidFill>
+          </a:ln>
         </p:spPr>
       </p:pic>
       <p:pic>
@@ -7382,6 +7477,11 @@
           <a:prstGeom prst="rect">
             <a:avLst/>
           </a:prstGeom>
+          <a:ln>
+            <a:solidFill>
+              <a:schemeClr val="tx1"/>
+            </a:solidFill>
+          </a:ln>
         </p:spPr>
       </p:pic>
     </p:spTree>
@@ -7612,14 +7712,14 @@
                 <a:gridCol w="311106">
                   <a:extLst>
                     <a:ext uri="{9D8B030D-6E8A-4147-A177-3AD203B41FA5}">
-                      <a16:colId xmlns:a16="http://schemas.microsoft.com/office/drawing/2014/main" xmlns="" val="20000"/>
+                      <a16:colId xmlns="" xmlns:a16="http://schemas.microsoft.com/office/drawing/2014/main" val="20000"/>
                     </a:ext>
                   </a:extLst>
                 </a:gridCol>
                 <a:gridCol w="2558644">
                   <a:extLst>
                     <a:ext uri="{9D8B030D-6E8A-4147-A177-3AD203B41FA5}">
-                      <a16:colId xmlns:a16="http://schemas.microsoft.com/office/drawing/2014/main" xmlns="" val="20001"/>
+                      <a16:colId xmlns="" xmlns:a16="http://schemas.microsoft.com/office/drawing/2014/main" val="20001"/>
                     </a:ext>
                   </a:extLst>
                 </a:gridCol>
@@ -7777,7 +7877,7 @@
                 </a:tc>
                 <a:extLst>
                   <a:ext uri="{0D108BD9-81ED-4DB2-BD59-A6C34878D82A}">
-                    <a16:rowId xmlns:a16="http://schemas.microsoft.com/office/drawing/2014/main" xmlns="" val="10000"/>
+                    <a16:rowId xmlns="" xmlns:a16="http://schemas.microsoft.com/office/drawing/2014/main" val="10000"/>
                   </a:ext>
                 </a:extLst>
               </a:tr>
@@ -8030,7 +8130,7 @@
                 </a:tc>
                 <a:extLst>
                   <a:ext uri="{0D108BD9-81ED-4DB2-BD59-A6C34878D82A}">
-                    <a16:rowId xmlns:a16="http://schemas.microsoft.com/office/drawing/2014/main" xmlns="" val="10001"/>
+                    <a16:rowId xmlns="" xmlns:a16="http://schemas.microsoft.com/office/drawing/2014/main" val="10001"/>
                   </a:ext>
                 </a:extLst>
               </a:tr>
@@ -8251,7 +8351,7 @@
                 </a:tc>
                 <a:extLst>
                   <a:ext uri="{0D108BD9-81ED-4DB2-BD59-A6C34878D82A}">
-                    <a16:rowId xmlns:a16="http://schemas.microsoft.com/office/drawing/2014/main" xmlns="" val="10002"/>
+                    <a16:rowId xmlns="" xmlns:a16="http://schemas.microsoft.com/office/drawing/2014/main" val="10002"/>
                   </a:ext>
                 </a:extLst>
               </a:tr>
@@ -8488,7 +8588,7 @@
                 </a:tc>
                 <a:extLst>
                   <a:ext uri="{0D108BD9-81ED-4DB2-BD59-A6C34878D82A}">
-                    <a16:rowId xmlns:a16="http://schemas.microsoft.com/office/drawing/2014/main" xmlns="" val="10003"/>
+                    <a16:rowId xmlns="" xmlns:a16="http://schemas.microsoft.com/office/drawing/2014/main" val="10003"/>
                   </a:ext>
                 </a:extLst>
               </a:tr>
@@ -8709,7 +8809,7 @@
                 </a:tc>
                 <a:extLst>
                   <a:ext uri="{0D108BD9-81ED-4DB2-BD59-A6C34878D82A}">
-                    <a16:rowId xmlns:a16="http://schemas.microsoft.com/office/drawing/2014/main" xmlns="" val="10004"/>
+                    <a16:rowId xmlns="" xmlns:a16="http://schemas.microsoft.com/office/drawing/2014/main" val="10004"/>
                   </a:ext>
                 </a:extLst>
               </a:tr>
@@ -8936,7 +9036,7 @@
                 </a:tc>
                 <a:extLst>
                   <a:ext uri="{0D108BD9-81ED-4DB2-BD59-A6C34878D82A}">
-                    <a16:rowId xmlns:a16="http://schemas.microsoft.com/office/drawing/2014/main" xmlns="" val="10005"/>
+                    <a16:rowId xmlns="" xmlns:a16="http://schemas.microsoft.com/office/drawing/2014/main" val="10005"/>
                   </a:ext>
                 </a:extLst>
               </a:tr>
@@ -9382,6 +9482,11 @@
           <a:prstGeom prst="rect">
             <a:avLst/>
           </a:prstGeom>
+          <a:ln w="25400">
+            <a:solidFill>
+              <a:schemeClr val="tx1"/>
+            </a:solidFill>
+          </a:ln>
         </p:spPr>
       </p:pic>
       <p:graphicFrame>
@@ -9597,6 +9702,11 @@
           <a:prstGeom prst="rect">
             <a:avLst/>
           </a:prstGeom>
+          <a:ln>
+            <a:solidFill>
+              <a:schemeClr val="tx1"/>
+            </a:solidFill>
+          </a:ln>
         </p:spPr>
       </p:pic>
       <p:pic>
@@ -9621,8 +9731,98 @@
           <a:prstGeom prst="rect">
             <a:avLst/>
           </a:prstGeom>
+          <a:ln>
+            <a:solidFill>
+              <a:schemeClr val="tx1"/>
+            </a:solidFill>
+          </a:ln>
         </p:spPr>
       </p:pic>
+      <p:sp>
+        <p:nvSpPr>
+          <p:cNvPr id="5" name="직사각형 4"/>
+          <p:cNvSpPr/>
+          <p:nvPr/>
+        </p:nvSpPr>
+        <p:spPr>
+          <a:xfrm>
+            <a:off x="7380514" y="1447060"/>
+            <a:ext cx="559837" cy="269773"/>
+          </a:xfrm>
+          <a:prstGeom prst="rect">
+            <a:avLst/>
+          </a:prstGeom>
+          <a:noFill/>
+          <a:ln w="25400">
+            <a:solidFill>
+              <a:srgbClr val="FF0000"/>
+            </a:solidFill>
+          </a:ln>
+        </p:spPr>
+        <p:style>
+          <a:lnRef idx="2">
+            <a:schemeClr val="accent1">
+              <a:shade val="50000"/>
+            </a:schemeClr>
+          </a:lnRef>
+          <a:fillRef idx="1">
+            <a:schemeClr val="accent1"/>
+          </a:fillRef>
+          <a:effectRef idx="0">
+            <a:schemeClr val="accent1"/>
+          </a:effectRef>
+          <a:fontRef idx="minor">
+            <a:schemeClr val="lt1"/>
+          </a:fontRef>
+        </p:style>
+        <p:txBody>
+          <a:bodyPr rtlCol="0" anchor="ctr"/>
+          <a:lstStyle/>
+          <a:p>
+            <a:pPr algn="ctr"/>
+            <a:endParaRPr lang="ko-KR" altLang="en-US"/>
+          </a:p>
+        </p:txBody>
+      </p:sp>
+      <p:cxnSp>
+        <p:nvCxnSpPr>
+          <p:cNvPr id="9" name="직선 화살표 연결선 8"/>
+          <p:cNvCxnSpPr>
+            <a:stCxn id="5" idx="2"/>
+            <a:endCxn id="3" idx="0"/>
+          </p:cNvCxnSpPr>
+          <p:nvPr/>
+        </p:nvCxnSpPr>
+        <p:spPr>
+          <a:xfrm flipH="1">
+            <a:off x="2939740" y="1716833"/>
+            <a:ext cx="4720693" cy="2227153"/>
+          </a:xfrm>
+          <a:prstGeom prst="straightConnector1">
+            <a:avLst/>
+          </a:prstGeom>
+          <a:ln w="25400">
+            <a:solidFill>
+              <a:srgbClr val="FF0000"/>
+            </a:solidFill>
+            <a:tailEnd type="triangle"/>
+          </a:ln>
+        </p:spPr>
+        <p:style>
+          <a:lnRef idx="1">
+            <a:schemeClr val="accent1"/>
+          </a:lnRef>
+          <a:fillRef idx="0">
+            <a:schemeClr val="accent1"/>
+          </a:fillRef>
+          <a:effectRef idx="0">
+            <a:schemeClr val="accent1"/>
+          </a:effectRef>
+          <a:fontRef idx="minor">
+            <a:schemeClr val="tx1"/>
+          </a:fontRef>
+        </p:style>
+      </p:cxnSp>
     </p:spTree>
     <p:extLst>
       <p:ext uri="{BB962C8B-B14F-4D97-AF65-F5344CB8AC3E}">
@@ -9859,14 +10059,14 @@
                 <a:gridCol w="311106">
                   <a:extLst>
                     <a:ext uri="{9D8B030D-6E8A-4147-A177-3AD203B41FA5}">
-                      <a16:colId xmlns:a16="http://schemas.microsoft.com/office/drawing/2014/main" xmlns="" val="20000"/>
+                      <a16:colId xmlns="" xmlns:a16="http://schemas.microsoft.com/office/drawing/2014/main" val="20000"/>
                     </a:ext>
                   </a:extLst>
                 </a:gridCol>
                 <a:gridCol w="2558644">
                   <a:extLst>
                     <a:ext uri="{9D8B030D-6E8A-4147-A177-3AD203B41FA5}">
-                      <a16:colId xmlns:a16="http://schemas.microsoft.com/office/drawing/2014/main" xmlns="" val="20001"/>
+                      <a16:colId xmlns="" xmlns:a16="http://schemas.microsoft.com/office/drawing/2014/main" val="20001"/>
                     </a:ext>
                   </a:extLst>
                 </a:gridCol>
@@ -10024,7 +10224,7 @@
                 </a:tc>
                 <a:extLst>
                   <a:ext uri="{0D108BD9-81ED-4DB2-BD59-A6C34878D82A}">
-                    <a16:rowId xmlns:a16="http://schemas.microsoft.com/office/drawing/2014/main" xmlns="" val="10000"/>
+                    <a16:rowId xmlns="" xmlns:a16="http://schemas.microsoft.com/office/drawing/2014/main" val="10000"/>
                   </a:ext>
                 </a:extLst>
               </a:tr>
@@ -10277,7 +10477,7 @@
                 </a:tc>
                 <a:extLst>
                   <a:ext uri="{0D108BD9-81ED-4DB2-BD59-A6C34878D82A}">
-                    <a16:rowId xmlns:a16="http://schemas.microsoft.com/office/drawing/2014/main" xmlns="" val="10001"/>
+                    <a16:rowId xmlns="" xmlns:a16="http://schemas.microsoft.com/office/drawing/2014/main" val="10001"/>
                   </a:ext>
                 </a:extLst>
               </a:tr>
@@ -10498,7 +10698,7 @@
                 </a:tc>
                 <a:extLst>
                   <a:ext uri="{0D108BD9-81ED-4DB2-BD59-A6C34878D82A}">
-                    <a16:rowId xmlns:a16="http://schemas.microsoft.com/office/drawing/2014/main" xmlns="" val="10002"/>
+                    <a16:rowId xmlns="" xmlns:a16="http://schemas.microsoft.com/office/drawing/2014/main" val="10002"/>
                   </a:ext>
                 </a:extLst>
               </a:tr>
@@ -10735,7 +10935,7 @@
                 </a:tc>
                 <a:extLst>
                   <a:ext uri="{0D108BD9-81ED-4DB2-BD59-A6C34878D82A}">
-                    <a16:rowId xmlns:a16="http://schemas.microsoft.com/office/drawing/2014/main" xmlns="" val="10003"/>
+                    <a16:rowId xmlns="" xmlns:a16="http://schemas.microsoft.com/office/drawing/2014/main" val="10003"/>
                   </a:ext>
                 </a:extLst>
               </a:tr>
@@ -10956,7 +11156,7 @@
                 </a:tc>
                 <a:extLst>
                   <a:ext uri="{0D108BD9-81ED-4DB2-BD59-A6C34878D82A}">
-                    <a16:rowId xmlns:a16="http://schemas.microsoft.com/office/drawing/2014/main" xmlns="" val="10004"/>
+                    <a16:rowId xmlns="" xmlns:a16="http://schemas.microsoft.com/office/drawing/2014/main" val="10004"/>
                   </a:ext>
                 </a:extLst>
               </a:tr>
@@ -11183,7 +11383,7 @@
                 </a:tc>
                 <a:extLst>
                   <a:ext uri="{0D108BD9-81ED-4DB2-BD59-A6C34878D82A}">
-                    <a16:rowId xmlns:a16="http://schemas.microsoft.com/office/drawing/2014/main" xmlns="" val="10005"/>
+                    <a16:rowId xmlns="" xmlns:a16="http://schemas.microsoft.com/office/drawing/2014/main" val="10005"/>
                   </a:ext>
                 </a:extLst>
               </a:tr>
@@ -11761,7 +11961,7 @@
       </p:sp>
       <p:pic>
         <p:nvPicPr>
-          <p:cNvPr id="4" name="그림 3"/>
+          <p:cNvPr id="3" name="그림 2"/>
           <p:cNvPicPr>
             <a:picLocks noChangeAspect="1"/>
           </p:cNvPicPr>
@@ -11775,17 +11975,22 @@
         </p:blipFill>
         <p:spPr>
           <a:xfrm>
-            <a:off x="0" y="1478071"/>
-            <a:ext cx="7039627" cy="5066778"/>
+            <a:off x="7173629" y="1683588"/>
+            <a:ext cx="4691054" cy="1843861"/>
           </a:xfrm>
           <a:prstGeom prst="rect">
             <a:avLst/>
           </a:prstGeom>
+          <a:ln>
+            <a:solidFill>
+              <a:schemeClr val="tx1"/>
+            </a:solidFill>
+          </a:ln>
         </p:spPr>
       </p:pic>
       <p:pic>
         <p:nvPicPr>
-          <p:cNvPr id="3" name="그림 2"/>
+          <p:cNvPr id="7" name="그림 6"/>
           <p:cNvPicPr>
             <a:picLocks noChangeAspect="1"/>
           </p:cNvPicPr>
@@ -11799,17 +12004,22 @@
         </p:blipFill>
         <p:spPr>
           <a:xfrm>
-            <a:off x="7039627" y="1583080"/>
-            <a:ext cx="4691054" cy="1843861"/>
+            <a:off x="7120461" y="5785427"/>
+            <a:ext cx="4825056" cy="457200"/>
           </a:xfrm>
           <a:prstGeom prst="rect">
             <a:avLst/>
           </a:prstGeom>
+          <a:ln>
+            <a:solidFill>
+              <a:schemeClr val="tx1"/>
+            </a:solidFill>
+          </a:ln>
         </p:spPr>
       </p:pic>
       <p:pic>
         <p:nvPicPr>
-          <p:cNvPr id="7" name="그림 6"/>
+          <p:cNvPr id="8" name="그림 7"/>
           <p:cNvPicPr>
             <a:picLocks noChangeAspect="1"/>
           </p:cNvPicPr>
@@ -11823,17 +12033,22 @@
         </p:blipFill>
         <p:spPr>
           <a:xfrm>
-            <a:off x="6905625" y="5680229"/>
-            <a:ext cx="4825056" cy="457200"/>
+            <a:off x="7173629" y="3780138"/>
+            <a:ext cx="4771888" cy="1752600"/>
           </a:xfrm>
           <a:prstGeom prst="rect">
             <a:avLst/>
           </a:prstGeom>
+          <a:ln>
+            <a:solidFill>
+              <a:schemeClr val="tx1"/>
+            </a:solidFill>
+          </a:ln>
         </p:spPr>
       </p:pic>
       <p:pic>
         <p:nvPicPr>
-          <p:cNvPr id="8" name="그림 7"/>
+          <p:cNvPr id="4" name="그림 3"/>
           <p:cNvPicPr>
             <a:picLocks noChangeAspect="1"/>
           </p:cNvPicPr>
@@ -11847,12 +12062,17 @@
         </p:blipFill>
         <p:spPr>
           <a:xfrm>
-            <a:off x="7039627" y="3780138"/>
-            <a:ext cx="4771888" cy="1752600"/>
+            <a:off x="0" y="1478071"/>
+            <a:ext cx="7039627" cy="5066778"/>
           </a:xfrm>
           <a:prstGeom prst="rect">
             <a:avLst/>
           </a:prstGeom>
+          <a:ln w="28575">
+            <a:solidFill>
+              <a:schemeClr val="tx1"/>
+            </a:solidFill>
+          </a:ln>
         </p:spPr>
       </p:pic>
     </p:spTree>
@@ -12039,14 +12259,14 @@
                 <a:gridCol w="311106">
                   <a:extLst>
                     <a:ext uri="{9D8B030D-6E8A-4147-A177-3AD203B41FA5}">
-                      <a16:colId xmlns:a16="http://schemas.microsoft.com/office/drawing/2014/main" xmlns="" val="20000"/>
+                      <a16:colId xmlns="" xmlns:a16="http://schemas.microsoft.com/office/drawing/2014/main" val="20000"/>
                     </a:ext>
                   </a:extLst>
                 </a:gridCol>
                 <a:gridCol w="2558644">
                   <a:extLst>
                     <a:ext uri="{9D8B030D-6E8A-4147-A177-3AD203B41FA5}">
-                      <a16:colId xmlns:a16="http://schemas.microsoft.com/office/drawing/2014/main" xmlns="" val="20001"/>
+                      <a16:colId xmlns="" xmlns:a16="http://schemas.microsoft.com/office/drawing/2014/main" val="20001"/>
                     </a:ext>
                   </a:extLst>
                 </a:gridCol>
@@ -12204,7 +12424,7 @@
                 </a:tc>
                 <a:extLst>
                   <a:ext uri="{0D108BD9-81ED-4DB2-BD59-A6C34878D82A}">
-                    <a16:rowId xmlns:a16="http://schemas.microsoft.com/office/drawing/2014/main" xmlns="" val="10000"/>
+                    <a16:rowId xmlns="" xmlns:a16="http://schemas.microsoft.com/office/drawing/2014/main" val="10000"/>
                   </a:ext>
                 </a:extLst>
               </a:tr>
@@ -12516,7 +12736,7 @@
                 </a:tc>
                 <a:extLst>
                   <a:ext uri="{0D108BD9-81ED-4DB2-BD59-A6C34878D82A}">
-                    <a16:rowId xmlns:a16="http://schemas.microsoft.com/office/drawing/2014/main" xmlns="" val="10001"/>
+                    <a16:rowId xmlns="" xmlns:a16="http://schemas.microsoft.com/office/drawing/2014/main" val="10001"/>
                   </a:ext>
                 </a:extLst>
               </a:tr>
@@ -12647,7 +12867,7 @@
                 </a:tc>
                 <a:extLst>
                   <a:ext uri="{0D108BD9-81ED-4DB2-BD59-A6C34878D82A}">
-                    <a16:rowId xmlns:a16="http://schemas.microsoft.com/office/drawing/2014/main" xmlns="" val="10002"/>
+                    <a16:rowId xmlns="" xmlns:a16="http://schemas.microsoft.com/office/drawing/2014/main" val="10002"/>
                   </a:ext>
                 </a:extLst>
               </a:tr>
@@ -13041,6 +13261,11 @@
           <a:prstGeom prst="rect">
             <a:avLst/>
           </a:prstGeom>
+          <a:ln w="25400">
+            <a:solidFill>
+              <a:schemeClr val="tx1"/>
+            </a:solidFill>
+          </a:ln>
         </p:spPr>
       </p:pic>
       <p:pic>
@@ -13065,6 +13290,11 @@
           <a:prstGeom prst="rect">
             <a:avLst/>
           </a:prstGeom>
+          <a:ln>
+            <a:solidFill>
+              <a:schemeClr val="tx1"/>
+            </a:solidFill>
+          </a:ln>
         </p:spPr>
       </p:pic>
       <p:pic>
@@ -13089,6 +13319,11 @@
           <a:prstGeom prst="rect">
             <a:avLst/>
           </a:prstGeom>
+          <a:ln>
+            <a:solidFill>
+              <a:schemeClr val="tx1"/>
+            </a:solidFill>
+          </a:ln>
         </p:spPr>
       </p:pic>
       <p:pic>
@@ -13107,12 +13342,17 @@
         </p:blipFill>
         <p:spPr>
           <a:xfrm>
-            <a:off x="6340817" y="3976174"/>
+            <a:off x="6582031" y="4011868"/>
             <a:ext cx="5181600" cy="1285875"/>
           </a:xfrm>
           <a:prstGeom prst="rect">
             <a:avLst/>
           </a:prstGeom>
+          <a:ln>
+            <a:solidFill>
+              <a:schemeClr val="tx1"/>
+            </a:solidFill>
+          </a:ln>
         </p:spPr>
       </p:pic>
     </p:spTree>
@@ -13280,14 +13520,14 @@
                 <a:gridCol w="311106">
                   <a:extLst>
                     <a:ext uri="{9D8B030D-6E8A-4147-A177-3AD203B41FA5}">
-                      <a16:colId xmlns:a16="http://schemas.microsoft.com/office/drawing/2014/main" xmlns="" val="20000"/>
+                      <a16:colId xmlns="" xmlns:a16="http://schemas.microsoft.com/office/drawing/2014/main" val="20000"/>
                     </a:ext>
                   </a:extLst>
                 </a:gridCol>
                 <a:gridCol w="2558644">
                   <a:extLst>
                     <a:ext uri="{9D8B030D-6E8A-4147-A177-3AD203B41FA5}">
-                      <a16:colId xmlns:a16="http://schemas.microsoft.com/office/drawing/2014/main" xmlns="" val="20001"/>
+                      <a16:colId xmlns="" xmlns:a16="http://schemas.microsoft.com/office/drawing/2014/main" val="20001"/>
                     </a:ext>
                   </a:extLst>
                 </a:gridCol>
@@ -13445,7 +13685,7 @@
                 </a:tc>
                 <a:extLst>
                   <a:ext uri="{0D108BD9-81ED-4DB2-BD59-A6C34878D82A}">
-                    <a16:rowId xmlns:a16="http://schemas.microsoft.com/office/drawing/2014/main" xmlns="" val="10000"/>
+                    <a16:rowId xmlns="" xmlns:a16="http://schemas.microsoft.com/office/drawing/2014/main" val="10000"/>
                   </a:ext>
                 </a:extLst>
               </a:tr>
@@ -13602,7 +13842,7 @@
                 </a:tc>
                 <a:extLst>
                   <a:ext uri="{0D108BD9-81ED-4DB2-BD59-A6C34878D82A}">
-                    <a16:rowId xmlns:a16="http://schemas.microsoft.com/office/drawing/2014/main" xmlns="" val="10001"/>
+                    <a16:rowId xmlns="" xmlns:a16="http://schemas.microsoft.com/office/drawing/2014/main" val="10001"/>
                   </a:ext>
                 </a:extLst>
               </a:tr>
@@ -13733,7 +13973,7 @@
                 </a:tc>
                 <a:extLst>
                   <a:ext uri="{0D108BD9-81ED-4DB2-BD59-A6C34878D82A}">
-                    <a16:rowId xmlns:a16="http://schemas.microsoft.com/office/drawing/2014/main" xmlns="" val="10002"/>
+                    <a16:rowId xmlns="" xmlns:a16="http://schemas.microsoft.com/office/drawing/2014/main" val="10002"/>
                   </a:ext>
                 </a:extLst>
               </a:tr>
@@ -14070,6 +14310,11 @@
           <a:prstGeom prst="rect">
             <a:avLst/>
           </a:prstGeom>
+          <a:ln w="25400">
+            <a:solidFill>
+              <a:schemeClr val="tx1"/>
+            </a:solidFill>
+          </a:ln>
         </p:spPr>
       </p:pic>
       <p:pic>
@@ -14088,12 +14333,17 @@
         </p:blipFill>
         <p:spPr>
           <a:xfrm>
-            <a:off x="6500669" y="3140721"/>
-            <a:ext cx="5611008" cy="1200150"/>
+            <a:off x="7408505" y="3140721"/>
+            <a:ext cx="4703171" cy="1200150"/>
           </a:xfrm>
           <a:prstGeom prst="rect">
             <a:avLst/>
           </a:prstGeom>
+          <a:ln>
+            <a:solidFill>
+              <a:schemeClr val="tx1"/>
+            </a:solidFill>
+          </a:ln>
         </p:spPr>
       </p:pic>
     </p:spTree>
